--- a/Documentation/ProjectArchitecture.pptx
+++ b/Documentation/ProjectArchitecture.pptx
@@ -6,6 +6,8 @@
   </p:sldMasterIdLst>
   <p:sldIdLst>
     <p:sldId id="256" r:id="rId2"/>
+    <p:sldId id="257" r:id="rId3"/>
+    <p:sldId id="258" r:id="rId4"/>
   </p:sldIdLst>
   <p:sldSz cx="12192000" cy="6858000"/>
   <p:notesSz cx="6858000" cy="9144000"/>
@@ -3342,7 +3344,10 @@
           <a:bodyPr/>
           <a:lstStyle/>
           <a:p>
-            <a:endParaRPr lang="en-US"/>
+            <a:r>
+              <a:rPr lang="en-US" dirty="0"/>
+              <a:t>Chat Healthy	</a:t>
+            </a:r>
           </a:p>
         </p:txBody>
       </p:sp>
@@ -3367,7 +3372,16 @@
           <a:bodyPr/>
           <a:lstStyle/>
           <a:p>
-            <a:endParaRPr lang="en-US"/>
+            <a:r>
+              <a:rPr lang="en-US" dirty="0"/>
+              <a:t>Phase 1 architecture:</a:t>
+            </a:r>
+          </a:p>
+          <a:p>
+            <a:r>
+              <a:rPr lang="en-US" dirty="0"/>
+              <a:t>Project for LLM engineering course. </a:t>
+            </a:r>
           </a:p>
         </p:txBody>
       </p:sp>
@@ -3375,6 +3389,916 @@
     <p:extLst>
       <p:ext uri="{BB962C8B-B14F-4D97-AF65-F5344CB8AC3E}">
         <p14:creationId xmlns:p14="http://schemas.microsoft.com/office/powerpoint/2010/main" val="2545844308"/>
+      </p:ext>
+    </p:extLst>
+  </p:cSld>
+  <p:clrMapOvr>
+    <a:masterClrMapping/>
+  </p:clrMapOvr>
+</p:sld>
+</file>
+
+<file path=ppt/slides/slide2.xml><?xml version="1.0" encoding="utf-8"?>
+<p:sld xmlns:a="http://schemas.openxmlformats.org/drawingml/2006/main" xmlns:r="http://schemas.openxmlformats.org/officeDocument/2006/relationships" xmlns:p="http://schemas.openxmlformats.org/presentationml/2006/main">
+  <p:cSld>
+    <p:spTree>
+      <p:nvGrpSpPr>
+        <p:cNvPr id="1" name=""/>
+        <p:cNvGrpSpPr/>
+        <p:nvPr/>
+      </p:nvGrpSpPr>
+      <p:grpSpPr>
+        <a:xfrm>
+          <a:off x="0" y="0"/>
+          <a:ext cx="0" cy="0"/>
+          <a:chOff x="0" y="0"/>
+          <a:chExt cx="0" cy="0"/>
+        </a:xfrm>
+      </p:grpSpPr>
+      <p:sp>
+        <p:nvSpPr>
+          <p:cNvPr id="2" name="Title 1">
+            <a:extLst>
+              <a:ext uri="{FF2B5EF4-FFF2-40B4-BE49-F238E27FC236}">
+                <a16:creationId xmlns:a16="http://schemas.microsoft.com/office/drawing/2014/main" id="{A909C5E5-C67A-BC61-A0CC-952D05681612}"/>
+              </a:ext>
+            </a:extLst>
+          </p:cNvPr>
+          <p:cNvSpPr>
+            <a:spLocks noGrp="1"/>
+          </p:cNvSpPr>
+          <p:nvPr>
+            <p:ph type="title"/>
+          </p:nvPr>
+        </p:nvSpPr>
+        <p:spPr/>
+        <p:txBody>
+          <a:bodyPr/>
+          <a:lstStyle/>
+          <a:p>
+            <a:r>
+              <a:rPr lang="en-US" dirty="0"/>
+              <a:t>Overview</a:t>
+            </a:r>
+          </a:p>
+        </p:txBody>
+      </p:sp>
+      <p:sp>
+        <p:nvSpPr>
+          <p:cNvPr id="3" name="Content Placeholder 2">
+            <a:extLst>
+              <a:ext uri="{FF2B5EF4-FFF2-40B4-BE49-F238E27FC236}">
+                <a16:creationId xmlns:a16="http://schemas.microsoft.com/office/drawing/2014/main" id="{5DA7233E-1F99-2285-EC5C-6DFBDC4192AB}"/>
+              </a:ext>
+            </a:extLst>
+          </p:cNvPr>
+          <p:cNvSpPr>
+            <a:spLocks noGrp="1"/>
+          </p:cNvSpPr>
+          <p:nvPr>
+            <p:ph idx="1"/>
+          </p:nvPr>
+        </p:nvSpPr>
+        <p:spPr>
+          <a:xfrm>
+            <a:off x="725466" y="1253331"/>
+            <a:ext cx="10515600" cy="4351338"/>
+          </a:xfrm>
+        </p:spPr>
+        <p:txBody>
+          <a:bodyPr>
+            <a:normAutofit fontScale="55000" lnSpcReduction="20000"/>
+          </a:bodyPr>
+          <a:lstStyle/>
+          <a:p>
+            <a:r>
+              <a:rPr lang="en-US" dirty="0"/>
+              <a:t>This architecture exercises the non agentic aspects of all the lessons from LLM engineering from a Udemy course taught by the master Ed Donner:</a:t>
+            </a:r>
+          </a:p>
+          <a:p>
+            <a:r>
+              <a:rPr lang="en-US" dirty="0"/>
+              <a:t>Goal: Create a model that predicts for healthcare Provider types how many docs exist  that are of the specialty. In any particular county. </a:t>
+            </a:r>
+          </a:p>
+          <a:p>
+            <a:r>
+              <a:rPr lang="en-US" dirty="0"/>
+              <a:t>Scope</a:t>
+            </a:r>
+          </a:p>
+          <a:p>
+            <a:pPr lvl="1"/>
+            <a:r>
+              <a:rPr lang="en-US" dirty="0"/>
+              <a:t>Prepare Total data set and metadata and load it to a Mongo DB</a:t>
+            </a:r>
+          </a:p>
+          <a:p>
+            <a:pPr lvl="1"/>
+            <a:r>
+              <a:rPr lang="en-US" dirty="0"/>
+              <a:t>Prepare data vectors and use them to create:</a:t>
+            </a:r>
+          </a:p>
+          <a:p>
+            <a:pPr lvl="2"/>
+            <a:r>
+              <a:rPr lang="en-US" dirty="0"/>
+              <a:t>Predictive models using Frontier models &amp; open-source models using QLoRA</a:t>
+            </a:r>
+          </a:p>
+          <a:p>
+            <a:pPr lvl="2"/>
+            <a:r>
+              <a:rPr lang="en-US" dirty="0"/>
+              <a:t>Examine the vectors as per some classification schema (services)</a:t>
+            </a:r>
+          </a:p>
+          <a:p>
+            <a:pPr lvl="1"/>
+            <a:r>
+              <a:rPr lang="en-US" dirty="0"/>
+              <a:t>Do various training experiments and show them graphically as accurate by % of deviation from true to find the best model. </a:t>
+            </a:r>
+          </a:p>
+          <a:p>
+            <a:pPr lvl="1"/>
+            <a:r>
+              <a:rPr lang="en-US" dirty="0"/>
+              <a:t>Automate the production of a graph based on the experiments</a:t>
+            </a:r>
+          </a:p>
+          <a:p>
+            <a:pPr lvl="1"/>
+            <a:r>
+              <a:rPr lang="en-US" dirty="0"/>
+              <a:t>Prepare training data</a:t>
+            </a:r>
+          </a:p>
+          <a:p>
+            <a:pPr lvl="1"/>
+            <a:r>
+              <a:rPr lang="en-US" dirty="0"/>
+              <a:t>Display a list of hospitals, clinics, and or docs that can deliver the services. </a:t>
+            </a:r>
+          </a:p>
+          <a:p>
+            <a:pPr lvl="1"/>
+            <a:r>
+              <a:rPr lang="en-US" dirty="0"/>
+              <a:t>Phase II (Out of scope, deliver as project for Agentic AI course)</a:t>
+            </a:r>
+          </a:p>
+          <a:p>
+            <a:pPr lvl="1"/>
+            <a:r>
+              <a:rPr lang="en-US" dirty="0"/>
+              <a:t>Allow a ‘conversational interface’ to  the model so that laymen can interrogate the model across the dimensions of  specialty, and use state, county, or zip as the means to interrogate the model.</a:t>
+            </a:r>
+          </a:p>
+          <a:p>
+            <a:pPr lvl="2"/>
+            <a:r>
+              <a:rPr lang="en-US" dirty="0"/>
+              <a:t>Rely on frontier model to be able to help user get a list of specialties that are of interest to them</a:t>
+            </a:r>
+          </a:p>
+          <a:p>
+            <a:r>
+              <a:rPr lang="en-US" dirty="0"/>
+              <a:t>Environment: Use Modal in so much as possible as the 1 &amp; only environment where the work takes place. Deploy a web service that can run on the internet in a serverless capacity. </a:t>
+            </a:r>
+          </a:p>
+          <a:p>
+            <a:pPr marL="0" indent="0">
+              <a:buNone/>
+            </a:pPr>
+            <a:endParaRPr lang="en-US" dirty="0"/>
+          </a:p>
+          <a:p>
+            <a:pPr lvl="1"/>
+            <a:endParaRPr lang="en-US" dirty="0"/>
+          </a:p>
+          <a:p>
+            <a:pPr lvl="1"/>
+            <a:endParaRPr lang="en-US" dirty="0"/>
+          </a:p>
+          <a:p>
+            <a:endParaRPr lang="en-US" dirty="0"/>
+          </a:p>
+        </p:txBody>
+      </p:sp>
+      <p:sp>
+        <p:nvSpPr>
+          <p:cNvPr id="4" name="TextBox 3">
+            <a:extLst>
+              <a:ext uri="{FF2B5EF4-FFF2-40B4-BE49-F238E27FC236}">
+                <a16:creationId xmlns:a16="http://schemas.microsoft.com/office/drawing/2014/main" id="{CFA0ADAF-CAF4-3508-2482-C1AD9EEA37A0}"/>
+              </a:ext>
+            </a:extLst>
+          </p:cNvPr>
+          <p:cNvSpPr txBox="1"/>
+          <p:nvPr/>
+        </p:nvSpPr>
+        <p:spPr>
+          <a:xfrm>
+            <a:off x="200416" y="6396335"/>
+            <a:ext cx="7992649" cy="461665"/>
+          </a:xfrm>
+          <a:prstGeom prst="rect">
+            <a:avLst/>
+          </a:prstGeom>
+          <a:noFill/>
+        </p:spPr>
+        <p:txBody>
+          <a:bodyPr wrap="square" rtlCol="0">
+            <a:spAutoFit/>
+          </a:bodyPr>
+          <a:lstStyle/>
+          <a:p>
+            <a:r>
+              <a:rPr lang="en-US" sz="1200" dirty="0"/>
+              <a:t>1: I will take the Agentic course next and incorporate agentic aspects to the project and UX within the context of that course</a:t>
+            </a:r>
+          </a:p>
+        </p:txBody>
+      </p:sp>
+    </p:spTree>
+    <p:extLst>
+      <p:ext uri="{BB962C8B-B14F-4D97-AF65-F5344CB8AC3E}">
+        <p14:creationId xmlns:p14="http://schemas.microsoft.com/office/powerpoint/2010/main" val="869620980"/>
+      </p:ext>
+    </p:extLst>
+  </p:cSld>
+  <p:clrMapOvr>
+    <a:masterClrMapping/>
+  </p:clrMapOvr>
+</p:sld>
+</file>
+
+<file path=ppt/slides/slide3.xml><?xml version="1.0" encoding="utf-8"?>
+<p:sld xmlns:a="http://schemas.openxmlformats.org/drawingml/2006/main" xmlns:r="http://schemas.openxmlformats.org/officeDocument/2006/relationships" xmlns:p="http://schemas.openxmlformats.org/presentationml/2006/main">
+  <p:cSld>
+    <p:spTree>
+      <p:nvGrpSpPr>
+        <p:cNvPr id="1" name=""/>
+        <p:cNvGrpSpPr/>
+        <p:nvPr/>
+      </p:nvGrpSpPr>
+      <p:grpSpPr>
+        <a:xfrm>
+          <a:off x="0" y="0"/>
+          <a:ext cx="0" cy="0"/>
+          <a:chOff x="0" y="0"/>
+          <a:chExt cx="0" cy="0"/>
+        </a:xfrm>
+      </p:grpSpPr>
+      <p:sp>
+        <p:nvSpPr>
+          <p:cNvPr id="2" name="Title 1">
+            <a:extLst>
+              <a:ext uri="{FF2B5EF4-FFF2-40B4-BE49-F238E27FC236}">
+                <a16:creationId xmlns:a16="http://schemas.microsoft.com/office/drawing/2014/main" id="{F25B9C94-8FF7-E02B-FE6A-29B8BD9B598F}"/>
+              </a:ext>
+            </a:extLst>
+          </p:cNvPr>
+          <p:cNvSpPr>
+            <a:spLocks noGrp="1"/>
+          </p:cNvSpPr>
+          <p:nvPr>
+            <p:ph type="title"/>
+          </p:nvPr>
+        </p:nvSpPr>
+        <p:spPr/>
+        <p:txBody>
+          <a:bodyPr/>
+          <a:lstStyle/>
+          <a:p>
+            <a:r>
+              <a:rPr lang="en-US" dirty="0"/>
+              <a:t>Core model for interrogation</a:t>
+            </a:r>
+          </a:p>
+        </p:txBody>
+      </p:sp>
+      <p:grpSp>
+        <p:nvGrpSpPr>
+          <p:cNvPr id="8" name="Group 7">
+            <a:extLst>
+              <a:ext uri="{FF2B5EF4-FFF2-40B4-BE49-F238E27FC236}">
+                <a16:creationId xmlns:a16="http://schemas.microsoft.com/office/drawing/2014/main" id="{2D00531B-936D-4FB0-A06B-1E1F90B6159D}"/>
+              </a:ext>
+            </a:extLst>
+          </p:cNvPr>
+          <p:cNvGrpSpPr/>
+          <p:nvPr/>
+        </p:nvGrpSpPr>
+        <p:grpSpPr>
+          <a:xfrm>
+            <a:off x="1014608" y="1690688"/>
+            <a:ext cx="1678488" cy="1628709"/>
+            <a:chOff x="1014608" y="1690688"/>
+            <a:chExt cx="1678488" cy="1628709"/>
+          </a:xfrm>
+        </p:grpSpPr>
+        <p:sp>
+          <p:nvSpPr>
+            <p:cNvPr id="6" name="Rectangle 5">
+              <a:extLst>
+                <a:ext uri="{FF2B5EF4-FFF2-40B4-BE49-F238E27FC236}">
+                  <a16:creationId xmlns:a16="http://schemas.microsoft.com/office/drawing/2014/main" id="{D5ACC21A-E6EF-7DA0-7FF3-37BDD3B89E39}"/>
+                </a:ext>
+              </a:extLst>
+            </p:cNvPr>
+            <p:cNvSpPr/>
+            <p:nvPr/>
+          </p:nvSpPr>
+          <p:spPr>
+            <a:xfrm>
+              <a:off x="1014608" y="1690688"/>
+              <a:ext cx="1678488" cy="413685"/>
+            </a:xfrm>
+            <a:prstGeom prst="rect">
+              <a:avLst/>
+            </a:prstGeom>
+            <a:solidFill>
+              <a:schemeClr val="bg2">
+                <a:lumMod val="90000"/>
+              </a:schemeClr>
+            </a:solidFill>
+          </p:spPr>
+          <p:style>
+            <a:lnRef idx="2">
+              <a:schemeClr val="accent1">
+                <a:shade val="15000"/>
+              </a:schemeClr>
+            </a:lnRef>
+            <a:fillRef idx="1">
+              <a:schemeClr val="accent1"/>
+            </a:fillRef>
+            <a:effectRef idx="0">
+              <a:schemeClr val="accent1"/>
+            </a:effectRef>
+            <a:fontRef idx="minor">
+              <a:schemeClr val="lt1"/>
+            </a:fontRef>
+          </p:style>
+          <p:txBody>
+            <a:bodyPr rtlCol="0" anchor="t"/>
+            <a:lstStyle/>
+            <a:p>
+              <a:pPr algn="ctr"/>
+              <a:r>
+                <a:rPr lang="en-US" b="1" dirty="0">
+                  <a:solidFill>
+                    <a:schemeClr val="tx1"/>
+                  </a:solidFill>
+                </a:rPr>
+                <a:t>Specialty</a:t>
+              </a:r>
+            </a:p>
+          </p:txBody>
+        </p:sp>
+        <p:sp>
+          <p:nvSpPr>
+            <p:cNvPr id="7" name="Rectangle 6">
+              <a:extLst>
+                <a:ext uri="{FF2B5EF4-FFF2-40B4-BE49-F238E27FC236}">
+                  <a16:creationId xmlns:a16="http://schemas.microsoft.com/office/drawing/2014/main" id="{558D1BB3-2192-350C-C90C-4D8C2A5ECBBF}"/>
+                </a:ext>
+              </a:extLst>
+            </p:cNvPr>
+            <p:cNvSpPr/>
+            <p:nvPr/>
+          </p:nvSpPr>
+          <p:spPr>
+            <a:xfrm>
+              <a:off x="1014608" y="2104373"/>
+              <a:ext cx="1678488" cy="1215024"/>
+            </a:xfrm>
+            <a:prstGeom prst="rect">
+              <a:avLst/>
+            </a:prstGeom>
+            <a:solidFill>
+              <a:schemeClr val="bg2">
+                <a:lumMod val="90000"/>
+              </a:schemeClr>
+            </a:solidFill>
+          </p:spPr>
+          <p:style>
+            <a:lnRef idx="2">
+              <a:schemeClr val="accent1">
+                <a:shade val="15000"/>
+              </a:schemeClr>
+            </a:lnRef>
+            <a:fillRef idx="1">
+              <a:schemeClr val="accent1"/>
+            </a:fillRef>
+            <a:effectRef idx="0">
+              <a:schemeClr val="accent1"/>
+            </a:effectRef>
+            <a:fontRef idx="minor">
+              <a:schemeClr val="lt1"/>
+            </a:fontRef>
+          </p:style>
+          <p:txBody>
+            <a:bodyPr rtlCol="0" anchor="t"/>
+            <a:lstStyle/>
+            <a:p>
+              <a:r>
+                <a:rPr lang="en-US" sz="1200" b="1" dirty="0">
+                  <a:solidFill>
+                    <a:schemeClr val="tx1"/>
+                  </a:solidFill>
+                </a:rPr>
+                <a:t>Code (PK)</a:t>
+              </a:r>
+            </a:p>
+            <a:p>
+              <a:r>
+                <a:rPr lang="en-US" sz="1200" b="1" dirty="0">
+                  <a:solidFill>
+                    <a:schemeClr val="tx1"/>
+                  </a:solidFill>
+                </a:rPr>
+                <a:t>Specialization </a:t>
+              </a:r>
+            </a:p>
+            <a:p>
+              <a:r>
+                <a:rPr lang="en-US" sz="1200" b="1" dirty="0">
+                  <a:solidFill>
+                    <a:schemeClr val="tx1"/>
+                  </a:solidFill>
+                </a:rPr>
+                <a:t>Classification</a:t>
+              </a:r>
+            </a:p>
+            <a:p>
+              <a:r>
+                <a:rPr lang="en-US" sz="1200" b="1" dirty="0">
+                  <a:solidFill>
+                    <a:schemeClr val="tx1"/>
+                  </a:solidFill>
+                </a:rPr>
+                <a:t>Grouping</a:t>
+              </a:r>
+            </a:p>
+            <a:p>
+              <a:r>
+                <a:rPr lang="en-US" sz="1200" b="1" dirty="0">
+                  <a:solidFill>
+                    <a:schemeClr val="tx1"/>
+                  </a:solidFill>
+                </a:rPr>
+                <a:t>Description </a:t>
+              </a:r>
+            </a:p>
+            <a:p>
+              <a:endParaRPr lang="en-US" sz="1200" b="1" dirty="0">
+                <a:solidFill>
+                  <a:schemeClr val="tx1"/>
+                </a:solidFill>
+              </a:endParaRPr>
+            </a:p>
+            <a:p>
+              <a:endParaRPr lang="en-US" sz="1200" b="1" dirty="0">
+                <a:solidFill>
+                  <a:schemeClr val="tx1"/>
+                </a:solidFill>
+              </a:endParaRPr>
+            </a:p>
+            <a:p>
+              <a:endParaRPr lang="en-US" sz="1200" b="1" dirty="0">
+                <a:solidFill>
+                  <a:schemeClr val="tx1"/>
+                </a:solidFill>
+              </a:endParaRPr>
+            </a:p>
+          </p:txBody>
+        </p:sp>
+      </p:grpSp>
+      <p:grpSp>
+        <p:nvGrpSpPr>
+          <p:cNvPr id="18" name="Group 17">
+            <a:extLst>
+              <a:ext uri="{FF2B5EF4-FFF2-40B4-BE49-F238E27FC236}">
+                <a16:creationId xmlns:a16="http://schemas.microsoft.com/office/drawing/2014/main" id="{0CDA9506-10C9-6D83-FBD9-298BC55E2520}"/>
+              </a:ext>
+            </a:extLst>
+          </p:cNvPr>
+          <p:cNvGrpSpPr/>
+          <p:nvPr/>
+        </p:nvGrpSpPr>
+        <p:grpSpPr>
+          <a:xfrm>
+            <a:off x="4365218" y="1996219"/>
+            <a:ext cx="1678488" cy="1080603"/>
+            <a:chOff x="4207600" y="1690688"/>
+            <a:chExt cx="1678488" cy="1080603"/>
+          </a:xfrm>
+        </p:grpSpPr>
+        <p:sp>
+          <p:nvSpPr>
+            <p:cNvPr id="11" name="Rectangle 10">
+              <a:extLst>
+                <a:ext uri="{FF2B5EF4-FFF2-40B4-BE49-F238E27FC236}">
+                  <a16:creationId xmlns:a16="http://schemas.microsoft.com/office/drawing/2014/main" id="{7C247C78-C0AD-6C9D-FAC3-4E2778A864BF}"/>
+                </a:ext>
+              </a:extLst>
+            </p:cNvPr>
+            <p:cNvSpPr/>
+            <p:nvPr/>
+          </p:nvSpPr>
+          <p:spPr>
+            <a:xfrm>
+              <a:off x="4207600" y="1690688"/>
+              <a:ext cx="1678488" cy="413685"/>
+            </a:xfrm>
+            <a:prstGeom prst="rect">
+              <a:avLst/>
+            </a:prstGeom>
+            <a:solidFill>
+              <a:srgbClr val="FF0000"/>
+            </a:solidFill>
+          </p:spPr>
+          <p:style>
+            <a:lnRef idx="2">
+              <a:schemeClr val="accent1">
+                <a:shade val="15000"/>
+              </a:schemeClr>
+            </a:lnRef>
+            <a:fillRef idx="1">
+              <a:schemeClr val="accent1"/>
+            </a:fillRef>
+            <a:effectRef idx="0">
+              <a:schemeClr val="accent1"/>
+            </a:effectRef>
+            <a:fontRef idx="minor">
+              <a:schemeClr val="lt1"/>
+            </a:fontRef>
+          </p:style>
+          <p:txBody>
+            <a:bodyPr rtlCol="0" anchor="t"/>
+            <a:lstStyle/>
+            <a:p>
+              <a:pPr algn="ctr"/>
+              <a:r>
+                <a:rPr lang="en-US" b="1" dirty="0">
+                  <a:solidFill>
+                    <a:schemeClr val="tx1"/>
+                  </a:solidFill>
+                </a:rPr>
+                <a:t>Services</a:t>
+              </a:r>
+            </a:p>
+          </p:txBody>
+        </p:sp>
+        <p:sp>
+          <p:nvSpPr>
+            <p:cNvPr id="12" name="Rectangle 11">
+              <a:extLst>
+                <a:ext uri="{FF2B5EF4-FFF2-40B4-BE49-F238E27FC236}">
+                  <a16:creationId xmlns:a16="http://schemas.microsoft.com/office/drawing/2014/main" id="{9722205E-58DC-17E5-252B-B27CB0BB86EC}"/>
+                </a:ext>
+              </a:extLst>
+            </p:cNvPr>
+            <p:cNvSpPr/>
+            <p:nvPr/>
+          </p:nvSpPr>
+          <p:spPr>
+            <a:xfrm>
+              <a:off x="4207600" y="2104373"/>
+              <a:ext cx="1678488" cy="666918"/>
+            </a:xfrm>
+            <a:prstGeom prst="rect">
+              <a:avLst/>
+            </a:prstGeom>
+            <a:solidFill>
+              <a:srgbClr val="FF0000"/>
+            </a:solidFill>
+          </p:spPr>
+          <p:style>
+            <a:lnRef idx="2">
+              <a:schemeClr val="accent1">
+                <a:shade val="15000"/>
+              </a:schemeClr>
+            </a:lnRef>
+            <a:fillRef idx="1">
+              <a:schemeClr val="accent1"/>
+            </a:fillRef>
+            <a:effectRef idx="0">
+              <a:schemeClr val="accent1"/>
+            </a:effectRef>
+            <a:fontRef idx="minor">
+              <a:schemeClr val="lt1"/>
+            </a:fontRef>
+          </p:style>
+          <p:txBody>
+            <a:bodyPr rtlCol="0" anchor="t"/>
+            <a:lstStyle/>
+            <a:p>
+              <a:r>
+                <a:rPr lang="en-US" sz="1200" b="1" dirty="0">
+                  <a:solidFill>
+                    <a:schemeClr val="tx1"/>
+                  </a:solidFill>
+                </a:rPr>
+                <a:t>Service name</a:t>
+              </a:r>
+            </a:p>
+            <a:p>
+              <a:r>
+                <a:rPr lang="en-US" sz="1200" b="1" dirty="0">
+                  <a:solidFill>
+                    <a:schemeClr val="tx1"/>
+                  </a:solidFill>
+                </a:rPr>
+                <a:t>Service Description</a:t>
+              </a:r>
+            </a:p>
+            <a:p>
+              <a:endParaRPr lang="en-US" sz="1200" b="1" dirty="0">
+                <a:solidFill>
+                  <a:schemeClr val="tx1"/>
+                </a:solidFill>
+              </a:endParaRPr>
+            </a:p>
+            <a:p>
+              <a:endParaRPr lang="en-US" sz="1200" b="1" dirty="0">
+                <a:solidFill>
+                  <a:schemeClr val="tx1"/>
+                </a:solidFill>
+              </a:endParaRPr>
+            </a:p>
+          </p:txBody>
+        </p:sp>
+      </p:grpSp>
+      <p:cxnSp>
+        <p:nvCxnSpPr>
+          <p:cNvPr id="14" name="Straight Arrow Connector 13">
+            <a:extLst>
+              <a:ext uri="{FF2B5EF4-FFF2-40B4-BE49-F238E27FC236}">
+                <a16:creationId xmlns:a16="http://schemas.microsoft.com/office/drawing/2014/main" id="{48CB1425-3FD2-6817-E0B3-94474C6E4DD2}"/>
+              </a:ext>
+            </a:extLst>
+          </p:cNvPr>
+          <p:cNvCxnSpPr>
+            <a:cxnSpLocks/>
+            <a:stCxn id="7" idx="3"/>
+            <a:endCxn id="12" idx="1"/>
+          </p:cNvCxnSpPr>
+          <p:nvPr/>
+        </p:nvCxnSpPr>
+        <p:spPr>
+          <a:xfrm>
+            <a:off x="2693096" y="2711885"/>
+            <a:ext cx="1672122" cy="31478"/>
+          </a:xfrm>
+          <a:prstGeom prst="straightConnector1">
+            <a:avLst/>
+          </a:prstGeom>
+          <a:ln>
+            <a:tailEnd type="none"/>
+          </a:ln>
+        </p:spPr>
+        <p:style>
+          <a:lnRef idx="2">
+            <a:schemeClr val="accent1"/>
+          </a:lnRef>
+          <a:fillRef idx="0">
+            <a:schemeClr val="accent1"/>
+          </a:fillRef>
+          <a:effectRef idx="1">
+            <a:schemeClr val="accent1"/>
+          </a:effectRef>
+          <a:fontRef idx="minor">
+            <a:schemeClr val="tx1"/>
+          </a:fontRef>
+        </p:style>
+      </p:cxnSp>
+      <p:sp>
+        <p:nvSpPr>
+          <p:cNvPr id="15" name="TextBox 14">
+            <a:extLst>
+              <a:ext uri="{FF2B5EF4-FFF2-40B4-BE49-F238E27FC236}">
+                <a16:creationId xmlns:a16="http://schemas.microsoft.com/office/drawing/2014/main" id="{7A47C5B3-1A07-BC5D-32B4-8EAB53945D11}"/>
+              </a:ext>
+            </a:extLst>
+          </p:cNvPr>
+          <p:cNvSpPr txBox="1"/>
+          <p:nvPr/>
+        </p:nvSpPr>
+        <p:spPr>
+          <a:xfrm>
+            <a:off x="3827744" y="2401959"/>
+            <a:ext cx="517642" cy="369332"/>
+          </a:xfrm>
+          <a:prstGeom prst="rect">
+            <a:avLst/>
+          </a:prstGeom>
+          <a:noFill/>
+        </p:spPr>
+        <p:txBody>
+          <a:bodyPr wrap="none" rtlCol="0">
+            <a:spAutoFit/>
+          </a:bodyPr>
+          <a:lstStyle/>
+          <a:p>
+            <a:r>
+              <a:rPr lang="en-US" dirty="0"/>
+              <a:t>1..*</a:t>
+            </a:r>
+          </a:p>
+        </p:txBody>
+      </p:sp>
+      <p:sp>
+        <p:nvSpPr>
+          <p:cNvPr id="23" name="Rectangle 22">
+            <a:extLst>
+              <a:ext uri="{FF2B5EF4-FFF2-40B4-BE49-F238E27FC236}">
+                <a16:creationId xmlns:a16="http://schemas.microsoft.com/office/drawing/2014/main" id="{A8A26EE9-982A-8D62-0B87-C4A392681900}"/>
+              </a:ext>
+            </a:extLst>
+          </p:cNvPr>
+          <p:cNvSpPr/>
+          <p:nvPr/>
+        </p:nvSpPr>
+        <p:spPr>
+          <a:xfrm>
+            <a:off x="1129429" y="3673001"/>
+            <a:ext cx="1678488" cy="413685"/>
+          </a:xfrm>
+          <a:prstGeom prst="rect">
+            <a:avLst/>
+          </a:prstGeom>
+          <a:solidFill>
+            <a:schemeClr val="bg2">
+              <a:lumMod val="90000"/>
+            </a:schemeClr>
+          </a:solidFill>
+        </p:spPr>
+        <p:style>
+          <a:lnRef idx="2">
+            <a:schemeClr val="accent1">
+              <a:shade val="15000"/>
+            </a:schemeClr>
+          </a:lnRef>
+          <a:fillRef idx="1">
+            <a:schemeClr val="accent1"/>
+          </a:fillRef>
+          <a:effectRef idx="0">
+            <a:schemeClr val="accent1"/>
+          </a:effectRef>
+          <a:fontRef idx="minor">
+            <a:schemeClr val="lt1"/>
+          </a:fontRef>
+        </p:style>
+        <p:txBody>
+          <a:bodyPr rtlCol="0" anchor="t"/>
+          <a:lstStyle/>
+          <a:p>
+            <a:pPr algn="ctr"/>
+            <a:r>
+              <a:rPr lang="en-US" b="1">
+                <a:solidFill>
+                  <a:schemeClr val="tx1"/>
+                </a:solidFill>
+              </a:rPr>
+              <a:t>Provider</a:t>
+            </a:r>
+            <a:endParaRPr lang="en-US" b="1" dirty="0">
+              <a:solidFill>
+                <a:schemeClr val="tx1"/>
+              </a:solidFill>
+            </a:endParaRPr>
+          </a:p>
+        </p:txBody>
+      </p:sp>
+      <p:sp>
+        <p:nvSpPr>
+          <p:cNvPr id="24" name="Rectangle 23">
+            <a:extLst>
+              <a:ext uri="{FF2B5EF4-FFF2-40B4-BE49-F238E27FC236}">
+                <a16:creationId xmlns:a16="http://schemas.microsoft.com/office/drawing/2014/main" id="{708D400A-BBB8-929A-2151-C5B0A083AED1}"/>
+              </a:ext>
+            </a:extLst>
+          </p:cNvPr>
+          <p:cNvSpPr/>
+          <p:nvPr/>
+        </p:nvSpPr>
+        <p:spPr>
+          <a:xfrm>
+            <a:off x="1129429" y="4086686"/>
+            <a:ext cx="1678488" cy="1215024"/>
+          </a:xfrm>
+          <a:prstGeom prst="rect">
+            <a:avLst/>
+          </a:prstGeom>
+          <a:solidFill>
+            <a:schemeClr val="bg2">
+              <a:lumMod val="90000"/>
+            </a:schemeClr>
+          </a:solidFill>
+        </p:spPr>
+        <p:style>
+          <a:lnRef idx="2">
+            <a:schemeClr val="accent1">
+              <a:shade val="15000"/>
+            </a:schemeClr>
+          </a:lnRef>
+          <a:fillRef idx="1">
+            <a:schemeClr val="accent1"/>
+          </a:fillRef>
+          <a:effectRef idx="0">
+            <a:schemeClr val="accent1"/>
+          </a:effectRef>
+          <a:fontRef idx="minor">
+            <a:schemeClr val="lt1"/>
+          </a:fontRef>
+        </p:style>
+        <p:txBody>
+          <a:bodyPr rtlCol="0" anchor="t"/>
+          <a:lstStyle/>
+          <a:p>
+            <a:r>
+              <a:rPr lang="en-US" sz="1200" b="1" dirty="0">
+                <a:solidFill>
+                  <a:schemeClr val="tx1"/>
+                </a:solidFill>
+              </a:rPr>
+              <a:t>Code (PK)</a:t>
+            </a:r>
+          </a:p>
+          <a:p>
+            <a:r>
+              <a:rPr lang="en-US" sz="1200" b="1" dirty="0">
+                <a:solidFill>
+                  <a:schemeClr val="tx1"/>
+                </a:solidFill>
+              </a:rPr>
+              <a:t>Specialization </a:t>
+            </a:r>
+          </a:p>
+          <a:p>
+            <a:r>
+              <a:rPr lang="en-US" sz="1200" b="1" dirty="0">
+                <a:solidFill>
+                  <a:schemeClr val="tx1"/>
+                </a:solidFill>
+              </a:rPr>
+              <a:t>Classification</a:t>
+            </a:r>
+          </a:p>
+          <a:p>
+            <a:r>
+              <a:rPr lang="en-US" sz="1200" b="1" dirty="0">
+                <a:solidFill>
+                  <a:schemeClr val="tx1"/>
+                </a:solidFill>
+              </a:rPr>
+              <a:t>Grouping</a:t>
+            </a:r>
+          </a:p>
+          <a:p>
+            <a:r>
+              <a:rPr lang="en-US" sz="1200" b="1" dirty="0">
+                <a:solidFill>
+                  <a:schemeClr val="tx1"/>
+                </a:solidFill>
+              </a:rPr>
+              <a:t>Description </a:t>
+            </a:r>
+          </a:p>
+          <a:p>
+            <a:endParaRPr lang="en-US" sz="1200" b="1" dirty="0">
+              <a:solidFill>
+                <a:schemeClr val="tx1"/>
+              </a:solidFill>
+            </a:endParaRPr>
+          </a:p>
+          <a:p>
+            <a:endParaRPr lang="en-US" sz="1200" b="1" dirty="0">
+              <a:solidFill>
+                <a:schemeClr val="tx1"/>
+              </a:solidFill>
+            </a:endParaRPr>
+          </a:p>
+          <a:p>
+            <a:endParaRPr lang="en-US" sz="1200" b="1" dirty="0">
+              <a:solidFill>
+                <a:schemeClr val="tx1"/>
+              </a:solidFill>
+            </a:endParaRPr>
+          </a:p>
+        </p:txBody>
+      </p:sp>
+    </p:spTree>
+    <p:extLst>
+      <p:ext uri="{BB962C8B-B14F-4D97-AF65-F5344CB8AC3E}">
+        <p14:creationId xmlns:p14="http://schemas.microsoft.com/office/powerpoint/2010/main" val="3356390297"/>
       </p:ext>
     </p:extLst>
   </p:cSld>

--- a/Documentation/ProjectArchitecture.pptx
+++ b/Documentation/ProjectArchitecture.pptx
@@ -106,6 +106,11 @@
       </a:defRPr>
     </a:lvl9pPr>
   </p:defaultTextStyle>
+  <p:extLst>
+    <p:ext uri="{EFAFB233-063F-42B5-8137-9DF3F51BA10A}">
+      <p15:sldGuideLst xmlns:p15="http://schemas.microsoft.com/office/powerpoint/2012/main"/>
+    </p:ext>
+  </p:extLst>
 </p:presentation>
 </file>
 
@@ -256,7 +261,7 @@
           <a:p>
             <a:fld id="{82B1C2C3-D437-4CB5-914C-06113AC135BA}" type="datetimeFigureOut">
               <a:rPr lang="en-US" smtClean="0"/>
-              <a:t>1/17/2026</a:t>
+              <a:t>1/21/2026</a:t>
             </a:fld>
             <a:endParaRPr lang="en-US"/>
           </a:p>
@@ -454,7 +459,7 @@
           <a:p>
             <a:fld id="{82B1C2C3-D437-4CB5-914C-06113AC135BA}" type="datetimeFigureOut">
               <a:rPr lang="en-US" smtClean="0"/>
-              <a:t>1/17/2026</a:t>
+              <a:t>1/21/2026</a:t>
             </a:fld>
             <a:endParaRPr lang="en-US"/>
           </a:p>
@@ -662,7 +667,7 @@
           <a:p>
             <a:fld id="{82B1C2C3-D437-4CB5-914C-06113AC135BA}" type="datetimeFigureOut">
               <a:rPr lang="en-US" smtClean="0"/>
-              <a:t>1/17/2026</a:t>
+              <a:t>1/21/2026</a:t>
             </a:fld>
             <a:endParaRPr lang="en-US"/>
           </a:p>
@@ -860,7 +865,7 @@
           <a:p>
             <a:fld id="{82B1C2C3-D437-4CB5-914C-06113AC135BA}" type="datetimeFigureOut">
               <a:rPr lang="en-US" smtClean="0"/>
-              <a:t>1/17/2026</a:t>
+              <a:t>1/21/2026</a:t>
             </a:fld>
             <a:endParaRPr lang="en-US"/>
           </a:p>
@@ -1135,7 +1140,7 @@
           <a:p>
             <a:fld id="{82B1C2C3-D437-4CB5-914C-06113AC135BA}" type="datetimeFigureOut">
               <a:rPr lang="en-US" smtClean="0"/>
-              <a:t>1/17/2026</a:t>
+              <a:t>1/21/2026</a:t>
             </a:fld>
             <a:endParaRPr lang="en-US"/>
           </a:p>
@@ -1400,7 +1405,7 @@
           <a:p>
             <a:fld id="{82B1C2C3-D437-4CB5-914C-06113AC135BA}" type="datetimeFigureOut">
               <a:rPr lang="en-US" smtClean="0"/>
-              <a:t>1/17/2026</a:t>
+              <a:t>1/21/2026</a:t>
             </a:fld>
             <a:endParaRPr lang="en-US"/>
           </a:p>
@@ -1812,7 +1817,7 @@
           <a:p>
             <a:fld id="{82B1C2C3-D437-4CB5-914C-06113AC135BA}" type="datetimeFigureOut">
               <a:rPr lang="en-US" smtClean="0"/>
-              <a:t>1/17/2026</a:t>
+              <a:t>1/21/2026</a:t>
             </a:fld>
             <a:endParaRPr lang="en-US"/>
           </a:p>
@@ -1953,7 +1958,7 @@
           <a:p>
             <a:fld id="{82B1C2C3-D437-4CB5-914C-06113AC135BA}" type="datetimeFigureOut">
               <a:rPr lang="en-US" smtClean="0"/>
-              <a:t>1/17/2026</a:t>
+              <a:t>1/21/2026</a:t>
             </a:fld>
             <a:endParaRPr lang="en-US"/>
           </a:p>
@@ -2066,7 +2071,7 @@
           <a:p>
             <a:fld id="{82B1C2C3-D437-4CB5-914C-06113AC135BA}" type="datetimeFigureOut">
               <a:rPr lang="en-US" smtClean="0"/>
-              <a:t>1/17/2026</a:t>
+              <a:t>1/21/2026</a:t>
             </a:fld>
             <a:endParaRPr lang="en-US"/>
           </a:p>
@@ -2377,7 +2382,7 @@
           <a:p>
             <a:fld id="{82B1C2C3-D437-4CB5-914C-06113AC135BA}" type="datetimeFigureOut">
               <a:rPr lang="en-US" smtClean="0"/>
-              <a:t>1/17/2026</a:t>
+              <a:t>1/21/2026</a:t>
             </a:fld>
             <a:endParaRPr lang="en-US"/>
           </a:p>
@@ -2665,7 +2670,7 @@
           <a:p>
             <a:fld id="{82B1C2C3-D437-4CB5-914C-06113AC135BA}" type="datetimeFigureOut">
               <a:rPr lang="en-US" smtClean="0"/>
-              <a:t>1/17/2026</a:t>
+              <a:t>1/21/2026</a:t>
             </a:fld>
             <a:endParaRPr lang="en-US"/>
           </a:p>
@@ -2906,7 +2911,7 @@
           <a:p>
             <a:fld id="{82B1C2C3-D437-4CB5-914C-06113AC135BA}" type="datetimeFigureOut">
               <a:rPr lang="en-US" smtClean="0"/>
-              <a:t>1/17/2026</a:t>
+              <a:t>1/21/2026</a:t>
             </a:fld>
             <a:endParaRPr lang="en-US"/>
           </a:p>
@@ -3467,114 +3472,146 @@
         </p:spPr>
         <p:txBody>
           <a:bodyPr>
-            <a:normAutofit fontScale="55000" lnSpcReduction="20000"/>
+            <a:normAutofit fontScale="70000" lnSpcReduction="20000"/>
           </a:bodyPr>
           <a:lstStyle/>
           <a:p>
             <a:r>
               <a:rPr lang="en-US" dirty="0"/>
-              <a:t>This architecture exercises the non agentic aspects of all the lessons from LLM engineering from a Udemy course taught by the master Ed Donner:</a:t>
-            </a:r>
-          </a:p>
-          <a:p>
+              <a:t>This project evaluates and tries to find the best model with the best augmentation via QLoRA and or Rag to predict how many specialists work in any one county. </a:t>
+            </a:r>
+          </a:p>
+          <a:p>
+            <a:pPr lvl="1"/>
             <a:r>
               <a:rPr lang="en-US" dirty="0"/>
-              <a:t>Goal: Create a model that predicts for healthcare Provider types how many docs exist  that are of the specialty. In any particular county. </a:t>
-            </a:r>
-          </a:p>
-          <a:p>
+              <a:t>A data pipeline will be built</a:t>
+            </a:r>
+          </a:p>
+          <a:p>
+            <a:pPr lvl="2"/>
             <a:r>
               <a:rPr lang="en-US" dirty="0"/>
-              <a:t>Scope</a:t>
+              <a:t>Provider data</a:t>
+            </a:r>
+          </a:p>
+          <a:p>
+            <a:pPr lvl="2"/>
+            <a:r>
+              <a:rPr lang="en-US" dirty="0"/>
+              <a:t>County Zip Mapping</a:t>
+            </a:r>
+          </a:p>
+          <a:p>
+            <a:pPr lvl="2"/>
+            <a:r>
+              <a:rPr lang="en-US" dirty="0"/>
+              <a:t>County GDP added to County Specialist Zip Map</a:t>
+            </a:r>
+          </a:p>
+          <a:p>
+            <a:pPr lvl="2"/>
+            <a:r>
+              <a:rPr lang="en-US" dirty="0" err="1"/>
+              <a:t>Coutny</a:t>
+            </a:r>
+            <a:r>
+              <a:rPr lang="en-US" dirty="0"/>
+              <a:t> Population bands will be added to County specialist zip map.</a:t>
+            </a:r>
+          </a:p>
+          <a:p>
+            <a:pPr lvl="2"/>
+            <a:r>
+              <a:rPr lang="en-US" dirty="0"/>
+              <a:t>Number of docs per specialty will be added to County Specialist Zip Map</a:t>
+            </a:r>
+          </a:p>
+          <a:p>
+            <a:pPr lvl="2"/>
+            <a:r>
+              <a:rPr lang="en-US" dirty="0"/>
+              <a:t>Specialist descriptions will be an entity for training for </a:t>
+            </a:r>
+            <a:r>
+              <a:rPr lang="en-US" dirty="0" err="1"/>
+              <a:t>Qlaura</a:t>
+            </a:r>
+            <a:r>
+              <a:rPr lang="en-US" dirty="0"/>
+              <a:t>. </a:t>
             </a:r>
           </a:p>
           <a:p>
             <a:pPr lvl="1"/>
             <a:r>
               <a:rPr lang="en-US" dirty="0"/>
-              <a:t>Prepare Total data set and metadata and load it to a Mongo DB</a:t>
+              <a:t>The experiments will add to the data set’s features and continue to search for the best answer to natural language interrogation to figure out what humans will ask of the model and steering them in the right direction. </a:t>
             </a:r>
           </a:p>
           <a:p>
             <a:pPr lvl="1"/>
             <a:r>
               <a:rPr lang="en-US" dirty="0"/>
-              <a:t>Prepare data vectors and use them to create:</a:t>
+              <a:t>All frontier models will be asked 1000 test questions with definitive quantitative answers. </a:t>
             </a:r>
           </a:p>
           <a:p>
             <a:pPr lvl="2"/>
             <a:r>
               <a:rPr lang="en-US" dirty="0"/>
-              <a:t>Predictive models using Frontier models &amp; open-source models using QLoRA</a:t>
+              <a:t>Their answers will be compared. </a:t>
+            </a:r>
+          </a:p>
+          <a:p>
+            <a:pPr lvl="1"/>
+            <a:r>
+              <a:rPr lang="en-US" dirty="0" err="1"/>
+              <a:t>Olama</a:t>
+            </a:r>
+            <a:r>
+              <a:rPr lang="en-US" dirty="0"/>
+              <a:t> will be enhanced with QLoRA</a:t>
             </a:r>
           </a:p>
           <a:p>
             <a:pPr lvl="2"/>
             <a:r>
               <a:rPr lang="en-US" dirty="0"/>
-              <a:t>Examine the vectors as per some classification schema (services)</a:t>
+              <a:t>Three rounds of training will be done. </a:t>
             </a:r>
           </a:p>
           <a:p>
             <a:pPr lvl="1"/>
             <a:r>
               <a:rPr lang="en-US" dirty="0"/>
-              <a:t>Do various training experiments and show them graphically as accurate by % of deviation from true to find the best model. </a:t>
+              <a:t>New dimension will be added to the </a:t>
             </a:r>
           </a:p>
           <a:p>
             <a:pPr lvl="1"/>
             <a:r>
               <a:rPr lang="en-US" dirty="0"/>
-              <a:t>Automate the production of a graph based on the experiments</a:t>
+              <a:t>All frontier models will be retested with the new data</a:t>
             </a:r>
           </a:p>
           <a:p>
             <a:pPr lvl="1"/>
             <a:r>
               <a:rPr lang="en-US" dirty="0"/>
-              <a:t>Prepare training data</a:t>
+              <a:t>All models will be augmented via RAG and the </a:t>
+            </a:r>
+            <a:r>
+              <a:rPr lang="en-US" dirty="0" err="1"/>
+              <a:t>vecorized</a:t>
+            </a:r>
+            <a:r>
+              <a:rPr lang="en-US" dirty="0"/>
+              <a:t> data near the answer to the question. </a:t>
             </a:r>
           </a:p>
           <a:p>
             <a:pPr lvl="1"/>
-            <a:r>
-              <a:rPr lang="en-US" dirty="0"/>
-              <a:t>Display a list of hospitals, clinics, and or docs that can deliver the services. </a:t>
-            </a:r>
-          </a:p>
-          <a:p>
-            <a:pPr lvl="1"/>
-            <a:r>
-              <a:rPr lang="en-US" dirty="0"/>
-              <a:t>Phase II (Out of scope, deliver as project for Agentic AI course)</a:t>
-            </a:r>
-          </a:p>
-          <a:p>
-            <a:pPr lvl="1"/>
-            <a:r>
-              <a:rPr lang="en-US" dirty="0"/>
-              <a:t>Allow a ‘conversational interface’ to  the model so that laymen can interrogate the model across the dimensions of  specialty, and use state, county, or zip as the means to interrogate the model.</a:t>
-            </a:r>
-          </a:p>
-          <a:p>
-            <a:pPr lvl="2"/>
-            <a:r>
-              <a:rPr lang="en-US" dirty="0"/>
-              <a:t>Rely on frontier model to be able to help user get a list of specialties that are of interest to them</a:t>
-            </a:r>
-          </a:p>
-          <a:p>
-            <a:r>
-              <a:rPr lang="en-US" dirty="0"/>
-              <a:t>Environment: Use Modal in so much as possible as the 1 &amp; only environment where the work takes place. Deploy a web service that can run on the internet in a serverless capacity. </a:t>
-            </a:r>
-          </a:p>
-          <a:p>
-            <a:pPr marL="0" indent="0">
-              <a:buNone/>
-            </a:pPr>
             <a:endParaRPr lang="en-US" dirty="0"/>
           </a:p>
           <a:p>
